--- a/United Academy Robotics Club.pptx
+++ b/United Academy Robotics Club.pptx
@@ -7,12 +7,13 @@
   <p:sldIdLst>
     <p:sldId id="256" r:id="rId2"/>
     <p:sldId id="257" r:id="rId3"/>
-    <p:sldId id="258" r:id="rId4"/>
+    <p:sldId id="264" r:id="rId4"/>
     <p:sldId id="259" r:id="rId5"/>
-    <p:sldId id="260" r:id="rId6"/>
-    <p:sldId id="261" r:id="rId7"/>
-    <p:sldId id="262" r:id="rId8"/>
-    <p:sldId id="263" r:id="rId9"/>
+    <p:sldId id="258" r:id="rId6"/>
+    <p:sldId id="260" r:id="rId7"/>
+    <p:sldId id="261" r:id="rId8"/>
+    <p:sldId id="262" r:id="rId9"/>
+    <p:sldId id="263" r:id="rId10"/>
   </p:sldIdLst>
   <p:sldSz cx="12192000" cy="6858000"/>
   <p:notesSz cx="6858000" cy="9144000"/>
@@ -111,6 +112,11 @@
       </a:defRPr>
     </a:lvl9pPr>
   </p:defaultTextStyle>
+  <p:extLst>
+    <p:ext uri="{EFAFB233-063F-42B5-8137-9DF3F51BA10A}">
+      <p15:sldGuideLst xmlns:p15="http://schemas.microsoft.com/office/powerpoint/2012/main"/>
+    </p:ext>
+  </p:extLst>
 </p:presentation>
 </file>
 
@@ -3414,7 +3420,7 @@
         <p:spPr>
           <a:xfrm>
             <a:off x="629264" y="599767"/>
-            <a:ext cx="6535572" cy="830997"/>
+            <a:ext cx="6187912" cy="830997"/>
           </a:xfrm>
           <a:prstGeom prst="rect">
             <a:avLst/>
@@ -3428,9 +3434,16 @@
           <a:lstStyle/>
           <a:p>
             <a:r>
-              <a:rPr lang="en-US" sz="4800" dirty="0"/>
+              <a:rPr lang="en-US" sz="4800">
+                <a:latin typeface="Times New Roman" panose="02020603050405020304" pitchFamily="18" charset="0"/>
+                <a:cs typeface="Times New Roman" panose="02020603050405020304" pitchFamily="18" charset="0"/>
+              </a:rPr>
               <a:t>Introduction to our Club</a:t>
             </a:r>
+            <a:endParaRPr lang="en-US" sz="4800" dirty="0">
+              <a:latin typeface="Times New Roman" panose="02020603050405020304" pitchFamily="18" charset="0"/>
+              <a:cs typeface="Times New Roman" panose="02020603050405020304" pitchFamily="18" charset="0"/>
+            </a:endParaRPr>
           </a:p>
         </p:txBody>
       </p:sp>
@@ -3448,8 +3461,8 @@
         </p:nvSpPr>
         <p:spPr>
           <a:xfrm>
-            <a:off x="629263" y="1573161"/>
-            <a:ext cx="11061291" cy="4685072"/>
+            <a:off x="776749" y="1573161"/>
+            <a:ext cx="10638503" cy="4401205"/>
           </a:xfrm>
           <a:prstGeom prst="rect">
             <a:avLst/>
@@ -3462,7 +3475,26 @@
           </a:bodyPr>
           <a:lstStyle/>
           <a:p>
-            <a:endParaRPr lang="en-US" dirty="0"/>
+            <a:r>
+              <a:rPr lang="en-US" sz="2800" b="1" dirty="0">
+                <a:latin typeface="Times New Roman" panose="02020603050405020304" pitchFamily="18" charset="0"/>
+                <a:cs typeface="Times New Roman" panose="02020603050405020304" pitchFamily="18" charset="0"/>
+              </a:rPr>
+              <a:t>“As a club, we look forward to taking a significant step into the fields of Robotics Engineering and Artificial Intelligence.”</a:t>
+            </a:r>
+            <a:br>
+              <a:rPr lang="en-US" sz="2800" dirty="0">
+                <a:latin typeface="Times New Roman" panose="02020603050405020304" pitchFamily="18" charset="0"/>
+                <a:cs typeface="Times New Roman" panose="02020603050405020304" pitchFamily="18" charset="0"/>
+              </a:rPr>
+            </a:br>
+            <a:r>
+              <a:rPr lang="en-US" sz="2800" dirty="0">
+                <a:latin typeface="Times New Roman" panose="02020603050405020304" pitchFamily="18" charset="0"/>
+                <a:cs typeface="Times New Roman" panose="02020603050405020304" pitchFamily="18" charset="0"/>
+              </a:rPr>
+              <a:t>Our vision is to explore, learn, and innovate in these rapidly advancing domains. We actively organize workshops, seminars, and hands-on training sessions to enhance technical knowledge and creativity among our members. In addition, we proudly participate in various robotics-related events, exhibitions, and national as well as international competitions, showcasing our skills and fostering teamwork, problem-solving, and innovation. Through these efforts, we aim to inspire young minds to become pioneers in the world of robotics and AI.</a:t>
+            </a:r>
           </a:p>
         </p:txBody>
       </p:sp>
@@ -3501,7 +3533,7 @@
           <p:cNvPr id="2" name="Title 1">
             <a:extLst>
               <a:ext uri="{FF2B5EF4-FFF2-40B4-BE49-F238E27FC236}">
-                <a16:creationId xmlns:a16="http://schemas.microsoft.com/office/drawing/2014/main" id="{3A3E521B-36EB-68A8-F4B8-81F71C81542D}"/>
+                <a16:creationId xmlns:a16="http://schemas.microsoft.com/office/drawing/2014/main" id="{5B551295-F911-B3D4-5E4B-61A094485EA0}"/>
               </a:ext>
             </a:extLst>
           </p:cNvPr>
@@ -3518,41 +3550,80 @@
           <a:lstStyle/>
           <a:p>
             <a:r>
+              <a:rPr lang="en-US" dirty="0">
+                <a:latin typeface="Times New Roman" panose="02020603050405020304" pitchFamily="18" charset="0"/>
+                <a:cs typeface="Times New Roman" panose="02020603050405020304" pitchFamily="18" charset="0"/>
+              </a:rPr>
+              <a:t>Overview of the club</a:t>
+            </a:r>
+          </a:p>
+        </p:txBody>
+      </p:sp>
+      <p:sp>
+        <p:nvSpPr>
+          <p:cNvPr id="3" name="Content Placeholder 2">
+            <a:extLst>
+              <a:ext uri="{FF2B5EF4-FFF2-40B4-BE49-F238E27FC236}">
+                <a16:creationId xmlns:a16="http://schemas.microsoft.com/office/drawing/2014/main" id="{EDC602FF-827A-3F9A-6583-5BBE3D768ABF}"/>
+              </a:ext>
+            </a:extLst>
+          </p:cNvPr>
+          <p:cNvSpPr>
+            <a:spLocks noGrp="1"/>
+          </p:cNvSpPr>
+          <p:nvPr>
+            <p:ph idx="1"/>
+          </p:nvPr>
+        </p:nvSpPr>
+        <p:spPr/>
+        <p:txBody>
+          <a:bodyPr>
+            <a:normAutofit fontScale="92500" lnSpcReduction="20000"/>
+          </a:bodyPr>
+          <a:lstStyle/>
+          <a:p>
+            <a:pPr marL="0" indent="0">
+              <a:buNone/>
+            </a:pPr>
+            <a:r>
               <a:rPr lang="en-US" dirty="0"/>
-              <a:t>Things to do in Robotics Club</a:t>
-            </a:r>
-          </a:p>
-        </p:txBody>
-      </p:sp>
-      <p:sp>
-        <p:nvSpPr>
-          <p:cNvPr id="3" name="Content Placeholder 2">
-            <a:extLst>
-              <a:ext uri="{FF2B5EF4-FFF2-40B4-BE49-F238E27FC236}">
-                <a16:creationId xmlns:a16="http://schemas.microsoft.com/office/drawing/2014/main" id="{F0F8C3A4-5903-3E03-D15A-481E4EB5FC7C}"/>
-              </a:ext>
-            </a:extLst>
-          </p:cNvPr>
-          <p:cNvSpPr>
-            <a:spLocks noGrp="1"/>
-          </p:cNvSpPr>
-          <p:nvPr>
-            <p:ph idx="1"/>
-          </p:nvPr>
-        </p:nvSpPr>
-        <p:spPr/>
-        <p:txBody>
-          <a:bodyPr/>
-          <a:lstStyle/>
-          <a:p>
-            <a:endParaRPr lang="en-US"/>
+              <a:t>The United Academy Robotics Club (UARC), established in 2015 at United Academy, </a:t>
+            </a:r>
+            <a:r>
+              <a:rPr lang="en-US" dirty="0" err="1"/>
+              <a:t>Kumaripati</a:t>
+            </a:r>
+            <a:r>
+              <a:rPr lang="en-US" dirty="0"/>
+              <a:t>, Lalitpur, is a dynamic platform that empowers students to explore the world of Robotics, Engineering, and Artificial Intelligence through hands-on learning. The club aims to foster creativity, teamwork, and innovation by engaging members in practical projects, workshops, and national-level competitions. Each year, it organizes major events such as the </a:t>
+            </a:r>
+            <a:r>
+              <a:rPr lang="en-US" b="1" dirty="0"/>
+              <a:t>United Robotics Fest</a:t>
+            </a:r>
+            <a:r>
+              <a:rPr lang="en-US" dirty="0"/>
+              <a:t>, which features exhibitions, workshops, and contests like Robo Soccer and Robo Race. Collaborating with the </a:t>
+            </a:r>
+            <a:r>
+              <a:rPr lang="en-US" b="1" dirty="0"/>
+              <a:t>Robotics Association of Nepal (RAN)</a:t>
+            </a:r>
+            <a:r>
+              <a:rPr lang="en-US" dirty="0"/>
+              <a:t> and other educational institutions, UARC provides students with exposure to cutting-edge technology and real-world problem-solving. By encouraging teamwork, leadership, and critical thinking, the club serves as a foundation for students aspiring to pursue careers in STEM and contribute to technological advancement in Nepal.</a:t>
+            </a:r>
+            <a:endParaRPr lang="en-US" dirty="0">
+              <a:latin typeface="Times New Roman" panose="02020603050405020304" pitchFamily="18" charset="0"/>
+              <a:cs typeface="Times New Roman" panose="02020603050405020304" pitchFamily="18" charset="0"/>
+            </a:endParaRPr>
           </a:p>
         </p:txBody>
       </p:sp>
     </p:spTree>
     <p:extLst>
       <p:ext uri="{BB962C8B-B14F-4D97-AF65-F5344CB8AC3E}">
-        <p14:creationId xmlns:p14="http://schemas.microsoft.com/office/powerpoint/2010/main" val="3943511029"/>
+        <p14:creationId xmlns:p14="http://schemas.microsoft.com/office/powerpoint/2010/main" val="1180999483"/>
       </p:ext>
     </p:extLst>
   </p:cSld>
@@ -3609,26 +3680,281 @@
       </p:sp>
       <p:sp>
         <p:nvSpPr>
-          <p:cNvPr id="3" name="Content Placeholder 2">
-            <a:extLst>
-              <a:ext uri="{FF2B5EF4-FFF2-40B4-BE49-F238E27FC236}">
-                <a16:creationId xmlns:a16="http://schemas.microsoft.com/office/drawing/2014/main" id="{F83CBB02-9E19-5060-2849-2D7FD4BA7768}"/>
-              </a:ext>
-            </a:extLst>
-          </p:cNvPr>
-          <p:cNvSpPr>
-            <a:spLocks noGrp="1"/>
-          </p:cNvSpPr>
-          <p:nvPr>
-            <p:ph idx="1"/>
-          </p:nvPr>
-        </p:nvSpPr>
-        <p:spPr/>
-        <p:txBody>
-          <a:bodyPr/>
-          <a:lstStyle/>
-          <a:p>
-            <a:endParaRPr lang="en-US"/>
+          <p:cNvPr id="4" name="TextBox 3">
+            <a:extLst>
+              <a:ext uri="{FF2B5EF4-FFF2-40B4-BE49-F238E27FC236}">
+                <a16:creationId xmlns:a16="http://schemas.microsoft.com/office/drawing/2014/main" id="{72212E3B-8F4A-CC34-C331-5A54C6FD2B16}"/>
+              </a:ext>
+            </a:extLst>
+          </p:cNvPr>
+          <p:cNvSpPr txBox="1"/>
+          <p:nvPr/>
+        </p:nvSpPr>
+        <p:spPr>
+          <a:xfrm>
+            <a:off x="5161189" y="1690688"/>
+            <a:ext cx="1757661" cy="523220"/>
+          </a:xfrm>
+          <a:prstGeom prst="rect">
+            <a:avLst/>
+          </a:prstGeom>
+          <a:noFill/>
+        </p:spPr>
+        <p:txBody>
+          <a:bodyPr wrap="none" rtlCol="0">
+            <a:spAutoFit/>
+          </a:bodyPr>
+          <a:lstStyle/>
+          <a:p>
+            <a:r>
+              <a:rPr lang="en-US" sz="2800" b="1" dirty="0"/>
+              <a:t>President</a:t>
+            </a:r>
+          </a:p>
+        </p:txBody>
+      </p:sp>
+      <p:sp>
+        <p:nvSpPr>
+          <p:cNvPr id="5" name="TextBox 4">
+            <a:extLst>
+              <a:ext uri="{FF2B5EF4-FFF2-40B4-BE49-F238E27FC236}">
+                <a16:creationId xmlns:a16="http://schemas.microsoft.com/office/drawing/2014/main" id="{C66967AF-CFC9-52DB-9887-5BD3C1B6EF5D}"/>
+              </a:ext>
+            </a:extLst>
+          </p:cNvPr>
+          <p:cNvSpPr txBox="1"/>
+          <p:nvPr/>
+        </p:nvSpPr>
+        <p:spPr>
+          <a:xfrm>
+            <a:off x="1502287" y="2823261"/>
+            <a:ext cx="1451872" cy="461665"/>
+          </a:xfrm>
+          <a:prstGeom prst="rect">
+            <a:avLst/>
+          </a:prstGeom>
+          <a:noFill/>
+        </p:spPr>
+        <p:txBody>
+          <a:bodyPr wrap="none" rtlCol="0">
+            <a:spAutoFit/>
+          </a:bodyPr>
+          <a:lstStyle/>
+          <a:p>
+            <a:r>
+              <a:rPr lang="en-US" sz="2400" dirty="0"/>
+              <a:t>Secretary</a:t>
+            </a:r>
+          </a:p>
+        </p:txBody>
+      </p:sp>
+      <p:sp>
+        <p:nvSpPr>
+          <p:cNvPr id="6" name="TextBox 5">
+            <a:extLst>
+              <a:ext uri="{FF2B5EF4-FFF2-40B4-BE49-F238E27FC236}">
+                <a16:creationId xmlns:a16="http://schemas.microsoft.com/office/drawing/2014/main" id="{FBFFB6A3-83E5-E70E-344F-D5BA692CC143}"/>
+              </a:ext>
+            </a:extLst>
+          </p:cNvPr>
+          <p:cNvSpPr txBox="1"/>
+          <p:nvPr/>
+        </p:nvSpPr>
+        <p:spPr>
+          <a:xfrm>
+            <a:off x="1502287" y="4020485"/>
+            <a:ext cx="2091470" cy="461665"/>
+          </a:xfrm>
+          <a:prstGeom prst="rect">
+            <a:avLst/>
+          </a:prstGeom>
+          <a:noFill/>
+        </p:spPr>
+        <p:txBody>
+          <a:bodyPr wrap="none" rtlCol="0">
+            <a:spAutoFit/>
+          </a:bodyPr>
+          <a:lstStyle/>
+          <a:p>
+            <a:r>
+              <a:rPr lang="en-US" sz="2400" dirty="0"/>
+              <a:t>Vice Secretary</a:t>
+            </a:r>
+          </a:p>
+        </p:txBody>
+      </p:sp>
+      <p:sp>
+        <p:nvSpPr>
+          <p:cNvPr id="7" name="TextBox 6">
+            <a:extLst>
+              <a:ext uri="{FF2B5EF4-FFF2-40B4-BE49-F238E27FC236}">
+                <a16:creationId xmlns:a16="http://schemas.microsoft.com/office/drawing/2014/main" id="{3DD5FCE4-FF37-678D-783A-9816BE61E9F2}"/>
+              </a:ext>
+            </a:extLst>
+          </p:cNvPr>
+          <p:cNvSpPr txBox="1"/>
+          <p:nvPr/>
+        </p:nvSpPr>
+        <p:spPr>
+          <a:xfrm>
+            <a:off x="3614444" y="2823261"/>
+            <a:ext cx="1425518" cy="461665"/>
+          </a:xfrm>
+          <a:prstGeom prst="rect">
+            <a:avLst/>
+          </a:prstGeom>
+          <a:noFill/>
+        </p:spPr>
+        <p:txBody>
+          <a:bodyPr wrap="none" rtlCol="0">
+            <a:spAutoFit/>
+          </a:bodyPr>
+          <a:lstStyle/>
+          <a:p>
+            <a:r>
+              <a:rPr lang="en-US" sz="2400" dirty="0"/>
+              <a:t>Treasurer</a:t>
+            </a:r>
+          </a:p>
+        </p:txBody>
+      </p:sp>
+      <p:sp>
+        <p:nvSpPr>
+          <p:cNvPr id="8" name="TextBox 7">
+            <a:extLst>
+              <a:ext uri="{FF2B5EF4-FFF2-40B4-BE49-F238E27FC236}">
+                <a16:creationId xmlns:a16="http://schemas.microsoft.com/office/drawing/2014/main" id="{60A55D5A-C3AC-70FA-BCD6-2301E6658334}"/>
+              </a:ext>
+            </a:extLst>
+          </p:cNvPr>
+          <p:cNvSpPr txBox="1"/>
+          <p:nvPr/>
+        </p:nvSpPr>
+        <p:spPr>
+          <a:xfrm>
+            <a:off x="5700247" y="2823261"/>
+            <a:ext cx="2437206" cy="461665"/>
+          </a:xfrm>
+          <a:prstGeom prst="rect">
+            <a:avLst/>
+          </a:prstGeom>
+          <a:noFill/>
+        </p:spPr>
+        <p:txBody>
+          <a:bodyPr wrap="none" rtlCol="0">
+            <a:spAutoFit/>
+          </a:bodyPr>
+          <a:lstStyle/>
+          <a:p>
+            <a:r>
+              <a:rPr lang="en-US" sz="2400" dirty="0"/>
+              <a:t>Program Director</a:t>
+            </a:r>
+          </a:p>
+        </p:txBody>
+      </p:sp>
+      <p:sp>
+        <p:nvSpPr>
+          <p:cNvPr id="9" name="TextBox 8">
+            <a:extLst>
+              <a:ext uri="{FF2B5EF4-FFF2-40B4-BE49-F238E27FC236}">
+                <a16:creationId xmlns:a16="http://schemas.microsoft.com/office/drawing/2014/main" id="{2B84B9FF-29E9-CFD3-47A3-C083FC1A9409}"/>
+              </a:ext>
+            </a:extLst>
+          </p:cNvPr>
+          <p:cNvSpPr txBox="1"/>
+          <p:nvPr/>
+        </p:nvSpPr>
+        <p:spPr>
+          <a:xfrm>
+            <a:off x="8797738" y="2823261"/>
+            <a:ext cx="2228559" cy="461665"/>
+          </a:xfrm>
+          <a:prstGeom prst="rect">
+            <a:avLst/>
+          </a:prstGeom>
+          <a:noFill/>
+        </p:spPr>
+        <p:txBody>
+          <a:bodyPr wrap="none" rtlCol="0">
+            <a:spAutoFit/>
+          </a:bodyPr>
+          <a:lstStyle/>
+          <a:p>
+            <a:r>
+              <a:rPr lang="en-US" sz="2400" dirty="0"/>
+              <a:t>Chief Executive</a:t>
+            </a:r>
+          </a:p>
+        </p:txBody>
+      </p:sp>
+      <p:sp>
+        <p:nvSpPr>
+          <p:cNvPr id="10" name="TextBox 9">
+            <a:extLst>
+              <a:ext uri="{FF2B5EF4-FFF2-40B4-BE49-F238E27FC236}">
+                <a16:creationId xmlns:a16="http://schemas.microsoft.com/office/drawing/2014/main" id="{CE0A7237-E0AF-F12A-24B9-843E1DC50DC5}"/>
+              </a:ext>
+            </a:extLst>
+          </p:cNvPr>
+          <p:cNvSpPr txBox="1"/>
+          <p:nvPr/>
+        </p:nvSpPr>
+        <p:spPr>
+          <a:xfrm>
+            <a:off x="8797738" y="4020485"/>
+            <a:ext cx="2768963" cy="461665"/>
+          </a:xfrm>
+          <a:prstGeom prst="rect">
+            <a:avLst/>
+          </a:prstGeom>
+          <a:noFill/>
+        </p:spPr>
+        <p:txBody>
+          <a:bodyPr wrap="none" rtlCol="0">
+            <a:spAutoFit/>
+          </a:bodyPr>
+          <a:lstStyle/>
+          <a:p>
+            <a:r>
+              <a:rPr lang="en-US" sz="2400" dirty="0"/>
+              <a:t>Executive Members</a:t>
+            </a:r>
+          </a:p>
+        </p:txBody>
+      </p:sp>
+      <p:sp>
+        <p:nvSpPr>
+          <p:cNvPr id="11" name="TextBox 10">
+            <a:extLst>
+              <a:ext uri="{FF2B5EF4-FFF2-40B4-BE49-F238E27FC236}">
+                <a16:creationId xmlns:a16="http://schemas.microsoft.com/office/drawing/2014/main" id="{038898D1-6D68-6D0F-EE47-6C84E6CDD03A}"/>
+              </a:ext>
+            </a:extLst>
+          </p:cNvPr>
+          <p:cNvSpPr txBox="1"/>
+          <p:nvPr/>
+        </p:nvSpPr>
+        <p:spPr>
+          <a:xfrm>
+            <a:off x="7754439" y="1752243"/>
+            <a:ext cx="2086597" cy="461665"/>
+          </a:xfrm>
+          <a:prstGeom prst="rect">
+            <a:avLst/>
+          </a:prstGeom>
+          <a:noFill/>
+        </p:spPr>
+        <p:txBody>
+          <a:bodyPr wrap="none" rtlCol="0">
+            <a:spAutoFit/>
+          </a:bodyPr>
+          <a:lstStyle/>
+          <a:p>
+            <a:r>
+              <a:rPr lang="en-US" sz="2400" dirty="0"/>
+              <a:t>Vice President</a:t>
+            </a:r>
           </a:p>
         </p:txBody>
       </p:sp>
@@ -3667,7 +3993,7 @@
           <p:cNvPr id="2" name="Title 1">
             <a:extLst>
               <a:ext uri="{FF2B5EF4-FFF2-40B4-BE49-F238E27FC236}">
-                <a16:creationId xmlns:a16="http://schemas.microsoft.com/office/drawing/2014/main" id="{17FC65CE-7224-C97C-76DD-4627A53FA865}"/>
+                <a16:creationId xmlns:a16="http://schemas.microsoft.com/office/drawing/2014/main" id="{3A3E521B-36EB-68A8-F4B8-81F71C81542D}"/>
               </a:ext>
             </a:extLst>
           </p:cNvPr>
@@ -3685,7 +4011,7 @@
           <a:p>
             <a:r>
               <a:rPr lang="en-US" dirty="0"/>
-              <a:t>Do’s and don’t do’s inside Robotics Lab</a:t>
+              <a:t>Things to do in Robotics Club</a:t>
             </a:r>
           </a:p>
         </p:txBody>
@@ -3695,7 +4021,7 @@
           <p:cNvPr id="3" name="Content Placeholder 2">
             <a:extLst>
               <a:ext uri="{FF2B5EF4-FFF2-40B4-BE49-F238E27FC236}">
-                <a16:creationId xmlns:a16="http://schemas.microsoft.com/office/drawing/2014/main" id="{93A16F0F-82EE-24A1-4845-19086E6AD655}"/>
+                <a16:creationId xmlns:a16="http://schemas.microsoft.com/office/drawing/2014/main" id="{F0F8C3A4-5903-3E03-D15A-481E4EB5FC7C}"/>
               </a:ext>
             </a:extLst>
           </p:cNvPr>
@@ -3718,7 +4044,7 @@
     </p:spTree>
     <p:extLst>
       <p:ext uri="{BB962C8B-B14F-4D97-AF65-F5344CB8AC3E}">
-        <p14:creationId xmlns:p14="http://schemas.microsoft.com/office/powerpoint/2010/main" val="3811741674"/>
+        <p14:creationId xmlns:p14="http://schemas.microsoft.com/office/powerpoint/2010/main" val="3943511029"/>
       </p:ext>
     </p:extLst>
   </p:cSld>
@@ -3750,7 +4076,7 @@
           <p:cNvPr id="2" name="Title 1">
             <a:extLst>
               <a:ext uri="{FF2B5EF4-FFF2-40B4-BE49-F238E27FC236}">
-                <a16:creationId xmlns:a16="http://schemas.microsoft.com/office/drawing/2014/main" id="{3C98DAFE-81F0-D278-E973-C6AFFEA3CAE7}"/>
+                <a16:creationId xmlns:a16="http://schemas.microsoft.com/office/drawing/2014/main" id="{17FC65CE-7224-C97C-76DD-4627A53FA865}"/>
               </a:ext>
             </a:extLst>
           </p:cNvPr>
@@ -3768,7 +4094,7 @@
           <a:p>
             <a:r>
               <a:rPr lang="en-US" dirty="0"/>
-              <a:t>Past of Robotics Club</a:t>
+              <a:t>Do’s and don’t do’s inside Robotics Lab</a:t>
             </a:r>
           </a:p>
         </p:txBody>
@@ -3778,7 +4104,7 @@
           <p:cNvPr id="3" name="Content Placeholder 2">
             <a:extLst>
               <a:ext uri="{FF2B5EF4-FFF2-40B4-BE49-F238E27FC236}">
-                <a16:creationId xmlns:a16="http://schemas.microsoft.com/office/drawing/2014/main" id="{7CB24522-DB58-A17C-4448-7B1264303C06}"/>
+                <a16:creationId xmlns:a16="http://schemas.microsoft.com/office/drawing/2014/main" id="{93A16F0F-82EE-24A1-4845-19086E6AD655}"/>
               </a:ext>
             </a:extLst>
           </p:cNvPr>
@@ -3794,14 +4120,14 @@
           <a:bodyPr/>
           <a:lstStyle/>
           <a:p>
-            <a:endParaRPr lang="en-US" dirty="0"/>
+            <a:endParaRPr lang="en-US"/>
           </a:p>
         </p:txBody>
       </p:sp>
     </p:spTree>
     <p:extLst>
       <p:ext uri="{BB962C8B-B14F-4D97-AF65-F5344CB8AC3E}">
-        <p14:creationId xmlns:p14="http://schemas.microsoft.com/office/powerpoint/2010/main" val="242984779"/>
+        <p14:creationId xmlns:p14="http://schemas.microsoft.com/office/powerpoint/2010/main" val="3811741674"/>
       </p:ext>
     </p:extLst>
   </p:cSld>
@@ -3833,6 +4159,99 @@
           <p:cNvPr id="2" name="Title 1">
             <a:extLst>
               <a:ext uri="{FF2B5EF4-FFF2-40B4-BE49-F238E27FC236}">
+                <a16:creationId xmlns:a16="http://schemas.microsoft.com/office/drawing/2014/main" id="{3C98DAFE-81F0-D278-E973-C6AFFEA3CAE7}"/>
+              </a:ext>
+            </a:extLst>
+          </p:cNvPr>
+          <p:cNvSpPr>
+            <a:spLocks noGrp="1"/>
+          </p:cNvSpPr>
+          <p:nvPr>
+            <p:ph type="title"/>
+          </p:nvPr>
+        </p:nvSpPr>
+        <p:spPr/>
+        <p:txBody>
+          <a:bodyPr/>
+          <a:lstStyle/>
+          <a:p>
+            <a:r>
+              <a:rPr lang="en-US" dirty="0"/>
+              <a:t>Past of Robotics Club</a:t>
+            </a:r>
+          </a:p>
+        </p:txBody>
+      </p:sp>
+      <p:sp>
+        <p:nvSpPr>
+          <p:cNvPr id="3" name="Content Placeholder 2">
+            <a:extLst>
+              <a:ext uri="{FF2B5EF4-FFF2-40B4-BE49-F238E27FC236}">
+                <a16:creationId xmlns:a16="http://schemas.microsoft.com/office/drawing/2014/main" id="{7CB24522-DB58-A17C-4448-7B1264303C06}"/>
+              </a:ext>
+            </a:extLst>
+          </p:cNvPr>
+          <p:cNvSpPr>
+            <a:spLocks noGrp="1"/>
+          </p:cNvSpPr>
+          <p:nvPr>
+            <p:ph idx="1"/>
+          </p:nvPr>
+        </p:nvSpPr>
+        <p:spPr/>
+        <p:txBody>
+          <a:bodyPr/>
+          <a:lstStyle/>
+          <a:p>
+            <a:r>
+              <a:rPr lang="en-US" dirty="0"/>
+              <a:t>Ai for good</a:t>
+            </a:r>
+          </a:p>
+          <a:p>
+            <a:r>
+              <a:rPr lang="en-US" dirty="0" err="1"/>
+              <a:t>technocian</a:t>
+            </a:r>
+            <a:endParaRPr lang="en-US" dirty="0"/>
+          </a:p>
+        </p:txBody>
+      </p:sp>
+    </p:spTree>
+    <p:extLst>
+      <p:ext uri="{BB962C8B-B14F-4D97-AF65-F5344CB8AC3E}">
+        <p14:creationId xmlns:p14="http://schemas.microsoft.com/office/powerpoint/2010/main" val="242984779"/>
+      </p:ext>
+    </p:extLst>
+  </p:cSld>
+  <p:clrMapOvr>
+    <a:masterClrMapping/>
+  </p:clrMapOvr>
+</p:sld>
+</file>
+
+<file path=ppt/slides/slide8.xml><?xml version="1.0" encoding="utf-8"?>
+<p:sld xmlns:a="http://schemas.openxmlformats.org/drawingml/2006/main" xmlns:r="http://schemas.openxmlformats.org/officeDocument/2006/relationships" xmlns:p="http://schemas.openxmlformats.org/presentationml/2006/main">
+  <p:cSld>
+    <p:spTree>
+      <p:nvGrpSpPr>
+        <p:cNvPr id="1" name=""/>
+        <p:cNvGrpSpPr/>
+        <p:nvPr/>
+      </p:nvGrpSpPr>
+      <p:grpSpPr>
+        <a:xfrm>
+          <a:off x="0" y="0"/>
+          <a:ext cx="0" cy="0"/>
+          <a:chOff x="0" y="0"/>
+          <a:chExt cx="0" cy="0"/>
+        </a:xfrm>
+      </p:grpSpPr>
+      <p:sp>
+        <p:nvSpPr>
+          <p:cNvPr id="2" name="Title 1">
+            <a:extLst>
+              <a:ext uri="{FF2B5EF4-FFF2-40B4-BE49-F238E27FC236}">
                 <a16:creationId xmlns:a16="http://schemas.microsoft.com/office/drawing/2014/main" id="{05C5DF6E-B7A7-C2D2-F529-AA0F5ECADE80}"/>
               </a:ext>
             </a:extLst>
@@ -3894,7 +4313,7 @@
 </p:sld>
 </file>
 
-<file path=ppt/slides/slide8.xml><?xml version="1.0" encoding="utf-8"?>
+<file path=ppt/slides/slide9.xml><?xml version="1.0" encoding="utf-8"?>
 <p:sld xmlns:a="http://schemas.openxmlformats.org/drawingml/2006/main" xmlns:r="http://schemas.openxmlformats.org/officeDocument/2006/relationships" xmlns:p="http://schemas.openxmlformats.org/presentationml/2006/main">
   <p:cSld>
     <p:spTree>

--- a/United Academy Robotics Club.pptx
+++ b/United Academy Robotics Club.pptx
@@ -3420,7 +3420,7 @@
         <p:spPr>
           <a:xfrm>
             <a:off x="629264" y="599767"/>
-            <a:ext cx="6187912" cy="830997"/>
+            <a:ext cx="6715556" cy="830997"/>
           </a:xfrm>
           <a:prstGeom prst="rect">
             <a:avLst/>
@@ -3434,16 +3434,12 @@
           <a:lstStyle/>
           <a:p>
             <a:r>
-              <a:rPr lang="en-US" sz="4800">
+              <a:rPr lang="en-US" sz="4800" b="1" dirty="0">
                 <a:latin typeface="Times New Roman" panose="02020603050405020304" pitchFamily="18" charset="0"/>
                 <a:cs typeface="Times New Roman" panose="02020603050405020304" pitchFamily="18" charset="0"/>
               </a:rPr>
               <a:t>Introduction to our Club</a:t>
             </a:r>
-            <a:endParaRPr lang="en-US" sz="4800" dirty="0">
-              <a:latin typeface="Times New Roman" panose="02020603050405020304" pitchFamily="18" charset="0"/>
-              <a:cs typeface="Times New Roman" panose="02020603050405020304" pitchFamily="18" charset="0"/>
-            </a:endParaRPr>
           </a:p>
         </p:txBody>
       </p:sp>
@@ -3550,73 +3546,76 @@
           <a:lstStyle/>
           <a:p>
             <a:r>
+              <a:rPr lang="en-US" b="1" dirty="0">
+                <a:latin typeface="Times New Roman" panose="02020603050405020304" pitchFamily="18" charset="0"/>
+                <a:cs typeface="Times New Roman" panose="02020603050405020304" pitchFamily="18" charset="0"/>
+              </a:rPr>
+              <a:t>Overview of the club</a:t>
+            </a:r>
+          </a:p>
+        </p:txBody>
+      </p:sp>
+      <p:sp>
+        <p:nvSpPr>
+          <p:cNvPr id="3" name="Content Placeholder 2">
+            <a:extLst>
+              <a:ext uri="{FF2B5EF4-FFF2-40B4-BE49-F238E27FC236}">
+                <a16:creationId xmlns:a16="http://schemas.microsoft.com/office/drawing/2014/main" id="{EDC602FF-827A-3F9A-6583-5BBE3D768ABF}"/>
+              </a:ext>
+            </a:extLst>
+          </p:cNvPr>
+          <p:cNvSpPr>
+            <a:spLocks noGrp="1"/>
+          </p:cNvSpPr>
+          <p:nvPr>
+            <p:ph idx="1"/>
+          </p:nvPr>
+        </p:nvSpPr>
+        <p:spPr/>
+        <p:txBody>
+          <a:bodyPr>
+            <a:normAutofit/>
+          </a:bodyPr>
+          <a:lstStyle/>
+          <a:p>
+            <a:pPr marL="0" indent="0">
+              <a:buNone/>
+            </a:pPr>
+            <a:r>
               <a:rPr lang="en-US" dirty="0">
                 <a:latin typeface="Times New Roman" panose="02020603050405020304" pitchFamily="18" charset="0"/>
                 <a:cs typeface="Times New Roman" panose="02020603050405020304" pitchFamily="18" charset="0"/>
               </a:rPr>
-              <a:t>Overview of the club</a:t>
-            </a:r>
-          </a:p>
-        </p:txBody>
-      </p:sp>
-      <p:sp>
-        <p:nvSpPr>
-          <p:cNvPr id="3" name="Content Placeholder 2">
-            <a:extLst>
-              <a:ext uri="{FF2B5EF4-FFF2-40B4-BE49-F238E27FC236}">
-                <a16:creationId xmlns:a16="http://schemas.microsoft.com/office/drawing/2014/main" id="{EDC602FF-827A-3F9A-6583-5BBE3D768ABF}"/>
-              </a:ext>
-            </a:extLst>
-          </p:cNvPr>
-          <p:cNvSpPr>
-            <a:spLocks noGrp="1"/>
-          </p:cNvSpPr>
-          <p:nvPr>
-            <p:ph idx="1"/>
-          </p:nvPr>
-        </p:nvSpPr>
-        <p:spPr/>
-        <p:txBody>
-          <a:bodyPr>
-            <a:normAutofit fontScale="92500" lnSpcReduction="20000"/>
-          </a:bodyPr>
-          <a:lstStyle/>
-          <a:p>
-            <a:pPr marL="0" indent="0">
-              <a:buNone/>
-            </a:pPr>
-            <a:r>
-              <a:rPr lang="en-US" dirty="0"/>
-              <a:t>The United Academy Robotics Club (UARC), established in 2015 at United Academy, </a:t>
-            </a:r>
-            <a:r>
-              <a:rPr lang="en-US" dirty="0" err="1"/>
-              <a:t>Kumaripati</a:t>
-            </a:r>
-            <a:r>
-              <a:rPr lang="en-US" dirty="0"/>
-              <a:t>, Lalitpur, is a dynamic platform that empowers students to explore the world of Robotics, Engineering, and Artificial Intelligence through hands-on learning. The club aims to foster creativity, teamwork, and innovation by engaging members in practical projects, workshops, and national-level competitions. Each year, it organizes major events such as the </a:t>
-            </a:r>
-            <a:r>
-              <a:rPr lang="en-US" b="1" dirty="0"/>
-              <a:t>United Robotics Fest</a:t>
-            </a:r>
-            <a:r>
-              <a:rPr lang="en-US" dirty="0"/>
-              <a:t>, which features exhibitions, workshops, and contests like Robo Soccer and Robo Race. Collaborating with the </a:t>
-            </a:r>
-            <a:r>
-              <a:rPr lang="en-US" b="1" dirty="0"/>
-              <a:t>Robotics Association of Nepal (RAN)</a:t>
-            </a:r>
-            <a:r>
-              <a:rPr lang="en-US" dirty="0"/>
-              <a:t> and other educational institutions, UARC provides students with exposure to cutting-edge technology and real-world problem-solving. By encouraging teamwork, leadership, and critical thinking, the club serves as a foundation for students aspiring to pursue careers in STEM and contribute to technological advancement in Nepal.</a:t>
-            </a:r>
-            <a:endParaRPr lang="en-US" dirty="0">
-              <a:latin typeface="Times New Roman" panose="02020603050405020304" pitchFamily="18" charset="0"/>
-              <a:cs typeface="Times New Roman" panose="02020603050405020304" pitchFamily="18" charset="0"/>
-            </a:endParaRPr>
+              <a:t>The United Academy Robotics Club (UARC) is a student-led platform founded in </a:t>
+            </a:r>
+            <a:r>
+              <a:rPr lang="en-US" b="1" dirty="0">
+                <a:latin typeface="Times New Roman" panose="02020603050405020304" pitchFamily="18" charset="0"/>
+                <a:cs typeface="Times New Roman" panose="02020603050405020304" pitchFamily="18" charset="0"/>
+              </a:rPr>
+              <a:t>2015</a:t>
+            </a:r>
+            <a:r>
+              <a:rPr lang="en-US" dirty="0">
+                <a:latin typeface="Times New Roman" panose="02020603050405020304" pitchFamily="18" charset="0"/>
+                <a:cs typeface="Times New Roman" panose="02020603050405020304" pitchFamily="18" charset="0"/>
+              </a:rPr>
+              <a:t> to promote innovation in robotics and artificial intelligence. It provides hands-on learning through projects, workshops, and competitions like the annual United Robotics Fest, organized with the </a:t>
+            </a:r>
+            <a:r>
+              <a:rPr lang="en-US" b="1" dirty="0">
+                <a:latin typeface="Times New Roman" panose="02020603050405020304" pitchFamily="18" charset="0"/>
+                <a:cs typeface="Times New Roman" panose="02020603050405020304" pitchFamily="18" charset="0"/>
+              </a:rPr>
+              <a:t>Robotics Association of Nepal</a:t>
+            </a:r>
+            <a:r>
+              <a:rPr lang="en-US" dirty="0">
+                <a:latin typeface="Times New Roman" panose="02020603050405020304" pitchFamily="18" charset="0"/>
+                <a:cs typeface="Times New Roman" panose="02020603050405020304" pitchFamily="18" charset="0"/>
+              </a:rPr>
+              <a:t> (RAN). The club nurtures creativity, teamwork, and technical skills, preparing students to pursue careers in science, engineering, and technology.</a:t>
+            </a:r>
           </a:p>
         </p:txBody>
       </p:sp>
@@ -3672,7 +3671,10 @@
           <a:lstStyle/>
           <a:p>
             <a:r>
-              <a:rPr lang="en-US" dirty="0"/>
+              <a:rPr lang="en-US" b="1" dirty="0">
+                <a:latin typeface="Times New Roman" panose="02020603050405020304" pitchFamily="18" charset="0"/>
+                <a:cs typeface="Times New Roman" panose="02020603050405020304" pitchFamily="18" charset="0"/>
+              </a:rPr>
               <a:t>Club Structure and Roles</a:t>
             </a:r>
           </a:p>
@@ -3693,7 +3695,7 @@
         <p:spPr>
           <a:xfrm>
             <a:off x="5161189" y="1690688"/>
-            <a:ext cx="1757661" cy="523220"/>
+            <a:ext cx="1633717" cy="523220"/>
           </a:xfrm>
           <a:prstGeom prst="rect">
             <a:avLst/>
@@ -3707,7 +3709,10 @@
           <a:lstStyle/>
           <a:p>
             <a:r>
-              <a:rPr lang="en-US" sz="2800" b="1" dirty="0"/>
+              <a:rPr lang="en-US" sz="2800" b="1" dirty="0">
+                <a:latin typeface="Times New Roman" panose="02020603050405020304" pitchFamily="18" charset="0"/>
+                <a:cs typeface="Times New Roman" panose="02020603050405020304" pitchFamily="18" charset="0"/>
+              </a:rPr>
               <a:t>President</a:t>
             </a:r>
           </a:p>
@@ -3728,7 +3733,7 @@
         <p:spPr>
           <a:xfrm>
             <a:off x="1502287" y="2823261"/>
-            <a:ext cx="1451872" cy="461665"/>
+            <a:ext cx="1345240" cy="461665"/>
           </a:xfrm>
           <a:prstGeom prst="rect">
             <a:avLst/>
@@ -3742,7 +3747,10 @@
           <a:lstStyle/>
           <a:p>
             <a:r>
-              <a:rPr lang="en-US" sz="2400" dirty="0"/>
+              <a:rPr lang="en-US" sz="2400" dirty="0">
+                <a:latin typeface="Times New Roman" panose="02020603050405020304" pitchFamily="18" charset="0"/>
+                <a:cs typeface="Times New Roman" panose="02020603050405020304" pitchFamily="18" charset="0"/>
+              </a:rPr>
               <a:t>Secretary</a:t>
             </a:r>
           </a:p>
@@ -3763,7 +3771,7 @@
         <p:spPr>
           <a:xfrm>
             <a:off x="1502287" y="4020485"/>
-            <a:ext cx="2091470" cy="461665"/>
+            <a:ext cx="1984005" cy="461665"/>
           </a:xfrm>
           <a:prstGeom prst="rect">
             <a:avLst/>
@@ -3777,7 +3785,10 @@
           <a:lstStyle/>
           <a:p>
             <a:r>
-              <a:rPr lang="en-US" sz="2400" dirty="0"/>
+              <a:rPr lang="en-US" sz="2400" dirty="0">
+                <a:latin typeface="Times New Roman" panose="02020603050405020304" pitchFamily="18" charset="0"/>
+                <a:cs typeface="Times New Roman" panose="02020603050405020304" pitchFamily="18" charset="0"/>
+              </a:rPr>
               <a:t>Vice Secretary</a:t>
             </a:r>
           </a:p>
@@ -3798,7 +3809,7 @@
         <p:spPr>
           <a:xfrm>
             <a:off x="3614444" y="2823261"/>
-            <a:ext cx="1425518" cy="461665"/>
+            <a:ext cx="1352037" cy="461665"/>
           </a:xfrm>
           <a:prstGeom prst="rect">
             <a:avLst/>
@@ -3812,7 +3823,10 @@
           <a:lstStyle/>
           <a:p>
             <a:r>
-              <a:rPr lang="en-US" sz="2400" dirty="0"/>
+              <a:rPr lang="en-US" sz="2400" dirty="0">
+                <a:latin typeface="Times New Roman" panose="02020603050405020304" pitchFamily="18" charset="0"/>
+                <a:cs typeface="Times New Roman" panose="02020603050405020304" pitchFamily="18" charset="0"/>
+              </a:rPr>
               <a:t>Treasurer</a:t>
             </a:r>
           </a:p>
@@ -3847,7 +3861,10 @@
           <a:lstStyle/>
           <a:p>
             <a:r>
-              <a:rPr lang="en-US" sz="2400" dirty="0"/>
+              <a:rPr lang="en-US" sz="2400" dirty="0">
+                <a:latin typeface="Times New Roman" panose="02020603050405020304" pitchFamily="18" charset="0"/>
+                <a:cs typeface="Times New Roman" panose="02020603050405020304" pitchFamily="18" charset="0"/>
+              </a:rPr>
               <a:t>Program Director</a:t>
             </a:r>
           </a:p>
@@ -3882,7 +3899,10 @@
           <a:lstStyle/>
           <a:p>
             <a:r>
-              <a:rPr lang="en-US" sz="2400" dirty="0"/>
+              <a:rPr lang="en-US" sz="2400" dirty="0">
+                <a:latin typeface="Times New Roman" panose="02020603050405020304" pitchFamily="18" charset="0"/>
+                <a:cs typeface="Times New Roman" panose="02020603050405020304" pitchFamily="18" charset="0"/>
+              </a:rPr>
               <a:t>Chief Executive</a:t>
             </a:r>
           </a:p>
@@ -3903,7 +3923,7 @@
         <p:spPr>
           <a:xfrm>
             <a:off x="8797738" y="4020485"/>
-            <a:ext cx="2768963" cy="461665"/>
+            <a:ext cx="2651688" cy="461665"/>
           </a:xfrm>
           <a:prstGeom prst="rect">
             <a:avLst/>
@@ -3917,7 +3937,10 @@
           <a:lstStyle/>
           <a:p>
             <a:r>
-              <a:rPr lang="en-US" sz="2400" dirty="0"/>
+              <a:rPr lang="en-US" sz="2400" dirty="0">
+                <a:latin typeface="Times New Roman" panose="02020603050405020304" pitchFamily="18" charset="0"/>
+                <a:cs typeface="Times New Roman" panose="02020603050405020304" pitchFamily="18" charset="0"/>
+              </a:rPr>
               <a:t>Executive Members</a:t>
             </a:r>
           </a:p>
@@ -3938,7 +3961,7 @@
         <p:spPr>
           <a:xfrm>
             <a:off x="7754439" y="1752243"/>
-            <a:ext cx="2086597" cy="461665"/>
+            <a:ext cx="1967975" cy="461665"/>
           </a:xfrm>
           <a:prstGeom prst="rect">
             <a:avLst/>
@@ -3952,7 +3975,10 @@
           <a:lstStyle/>
           <a:p>
             <a:r>
-              <a:rPr lang="en-US" sz="2400" dirty="0"/>
+              <a:rPr lang="en-US" sz="2400" dirty="0">
+                <a:latin typeface="Times New Roman" panose="02020603050405020304" pitchFamily="18" charset="0"/>
+                <a:cs typeface="Times New Roman" panose="02020603050405020304" pitchFamily="18" charset="0"/>
+              </a:rPr>
               <a:t>Vice President</a:t>
             </a:r>
           </a:p>
@@ -4010,8 +4036,11 @@
           <a:lstStyle/>
           <a:p>
             <a:r>
-              <a:rPr lang="en-US" dirty="0"/>
-              <a:t>Things to do in Robotics Club</a:t>
+              <a:rPr lang="en-US" b="1" dirty="0">
+                <a:latin typeface="Times New Roman" panose="02020603050405020304" pitchFamily="18" charset="0"/>
+                <a:cs typeface="Times New Roman" panose="02020603050405020304" pitchFamily="18" charset="0"/>
+              </a:rPr>
+              <a:t>Things we do in the Club</a:t>
             </a:r>
           </a:p>
         </p:txBody>
@@ -4032,12 +4061,68 @@
             <p:ph idx="1"/>
           </p:nvPr>
         </p:nvSpPr>
-        <p:spPr/>
-        <p:txBody>
-          <a:bodyPr/>
-          <a:lstStyle/>
-          <a:p>
-            <a:endParaRPr lang="en-US"/>
+        <p:spPr>
+          <a:xfrm>
+            <a:off x="838200" y="1825625"/>
+            <a:ext cx="5257800" cy="4351338"/>
+          </a:xfrm>
+        </p:spPr>
+        <p:txBody>
+          <a:bodyPr/>
+          <a:lstStyle/>
+          <a:p>
+            <a:r>
+              <a:rPr lang="en-US" dirty="0">
+                <a:latin typeface="Times New Roman" panose="02020603050405020304" pitchFamily="18" charset="0"/>
+                <a:cs typeface="Times New Roman" panose="02020603050405020304" pitchFamily="18" charset="0"/>
+              </a:rPr>
+              <a:t>Hands-on Robotics Projects</a:t>
+            </a:r>
+          </a:p>
+          <a:p>
+            <a:r>
+              <a:rPr lang="en-US" dirty="0">
+                <a:latin typeface="Times New Roman" panose="02020603050405020304" pitchFamily="18" charset="0"/>
+                <a:cs typeface="Times New Roman" panose="02020603050405020304" pitchFamily="18" charset="0"/>
+              </a:rPr>
+              <a:t>Workshops and Training Sessions</a:t>
+            </a:r>
+          </a:p>
+          <a:p>
+            <a:r>
+              <a:rPr lang="en-US" dirty="0">
+                <a:latin typeface="Times New Roman" panose="02020603050405020304" pitchFamily="18" charset="0"/>
+                <a:cs typeface="Times New Roman" panose="02020603050405020304" pitchFamily="18" charset="0"/>
+              </a:rPr>
+              <a:t>Annual United Robotics Fest</a:t>
+            </a:r>
+          </a:p>
+          <a:p>
+            <a:r>
+              <a:rPr lang="en-US" dirty="0">
+                <a:latin typeface="Times New Roman" panose="02020603050405020304" pitchFamily="18" charset="0"/>
+                <a:cs typeface="Times New Roman" panose="02020603050405020304" pitchFamily="18" charset="0"/>
+              </a:rPr>
+              <a:t>Competitions and Exhibitions</a:t>
+            </a:r>
+          </a:p>
+          <a:p>
+            <a:r>
+              <a:rPr lang="en-US" dirty="0">
+                <a:latin typeface="Times New Roman" panose="02020603050405020304" pitchFamily="18" charset="0"/>
+                <a:cs typeface="Times New Roman" panose="02020603050405020304" pitchFamily="18" charset="0"/>
+              </a:rPr>
+              <a:t>Collaborations and Mentorship</a:t>
+            </a:r>
+          </a:p>
+          <a:p>
+            <a:r>
+              <a:rPr lang="en-US" dirty="0">
+                <a:latin typeface="Times New Roman" panose="02020603050405020304" pitchFamily="18" charset="0"/>
+                <a:cs typeface="Times New Roman" panose="02020603050405020304" pitchFamily="18" charset="0"/>
+              </a:rPr>
+              <a:t>AI and Automation Projects</a:t>
+            </a:r>
           </a:p>
         </p:txBody>
       </p:sp>
@@ -4094,7 +4179,7 @@
           <a:p>
             <a:r>
               <a:rPr lang="en-US" dirty="0"/>
-              <a:t>Do’s and don’t do’s inside Robotics Lab</a:t>
+              <a:t>Dos and don’ts inside Robotics Lab</a:t>
             </a:r>
           </a:p>
         </p:txBody>
@@ -4120,7 +4205,7 @@
           <a:bodyPr/>
           <a:lstStyle/>
           <a:p>
-            <a:endParaRPr lang="en-US"/>
+            <a:endParaRPr lang="en-US" dirty="0"/>
           </a:p>
         </p:txBody>
       </p:sp>
@@ -4176,44 +4261,50 @@
           <a:lstStyle/>
           <a:p>
             <a:r>
+              <a:rPr lang="en-US" b="1" dirty="0">
+                <a:latin typeface="Times New Roman" panose="02020603050405020304" pitchFamily="18" charset="0"/>
+                <a:cs typeface="Times New Roman" panose="02020603050405020304" pitchFamily="18" charset="0"/>
+              </a:rPr>
+              <a:t>Past of Robotics Club</a:t>
+            </a:r>
+          </a:p>
+        </p:txBody>
+      </p:sp>
+      <p:sp>
+        <p:nvSpPr>
+          <p:cNvPr id="3" name="Content Placeholder 2">
+            <a:extLst>
+              <a:ext uri="{FF2B5EF4-FFF2-40B4-BE49-F238E27FC236}">
+                <a16:creationId xmlns:a16="http://schemas.microsoft.com/office/drawing/2014/main" id="{7CB24522-DB58-A17C-4448-7B1264303C06}"/>
+              </a:ext>
+            </a:extLst>
+          </p:cNvPr>
+          <p:cNvSpPr>
+            <a:spLocks noGrp="1"/>
+          </p:cNvSpPr>
+          <p:nvPr>
+            <p:ph idx="1"/>
+          </p:nvPr>
+        </p:nvSpPr>
+        <p:spPr/>
+        <p:txBody>
+          <a:bodyPr/>
+          <a:lstStyle/>
+          <a:p>
+            <a:r>
               <a:rPr lang="en-US" dirty="0"/>
-              <a:t>Past of Robotics Club</a:t>
-            </a:r>
-          </a:p>
-        </p:txBody>
-      </p:sp>
-      <p:sp>
-        <p:nvSpPr>
-          <p:cNvPr id="3" name="Content Placeholder 2">
-            <a:extLst>
-              <a:ext uri="{FF2B5EF4-FFF2-40B4-BE49-F238E27FC236}">
-                <a16:creationId xmlns:a16="http://schemas.microsoft.com/office/drawing/2014/main" id="{7CB24522-DB58-A17C-4448-7B1264303C06}"/>
-              </a:ext>
-            </a:extLst>
-          </p:cNvPr>
-          <p:cNvSpPr>
-            <a:spLocks noGrp="1"/>
-          </p:cNvSpPr>
-          <p:nvPr>
-            <p:ph idx="1"/>
-          </p:nvPr>
-        </p:nvSpPr>
-        <p:spPr/>
-        <p:txBody>
-          <a:bodyPr/>
-          <a:lstStyle/>
-          <a:p>
-            <a:r>
-              <a:rPr lang="en-US" dirty="0"/>
-              <a:t>Ai for good</a:t>
-            </a:r>
-          </a:p>
-          <a:p>
-            <a:r>
-              <a:rPr lang="en-US" dirty="0" err="1"/>
-              <a:t>technocian</a:t>
-            </a:r>
-            <a:endParaRPr lang="en-US" dirty="0"/>
+              <a:t>Secured 2nd place in the “AI for Good</a:t>
+            </a:r>
+            <a:r>
+              <a:rPr lang="en-US"/>
+              <a:t>” competition(2025)</a:t>
+            </a:r>
+          </a:p>
+          <a:p>
+            <a:endParaRPr lang="en-US" dirty="0">
+              <a:latin typeface="Times New Roman" panose="02020603050405020304" pitchFamily="18" charset="0"/>
+              <a:cs typeface="Times New Roman" panose="02020603050405020304" pitchFamily="18" charset="0"/>
+            </a:endParaRPr>
           </a:p>
         </p:txBody>
       </p:sp>
